--- a/resources/logo.pptx
+++ b/resources/logo.pptx
@@ -263,7 +263,7 @@
           <a:p>
             <a:fld id="{F3CBFC1D-2E0E-4908-9F6D-C0C209CD12B3}" type="datetimeFigureOut">
               <a:rPr lang="nl-NL" smtClean="0"/>
-              <a:t>12-4-2021</a:t>
+              <a:t>29-6-2021</a:t>
             </a:fld>
             <a:endParaRPr lang="nl-NL"/>
           </a:p>
@@ -463,7 +463,7 @@
           <a:p>
             <a:fld id="{F3CBFC1D-2E0E-4908-9F6D-C0C209CD12B3}" type="datetimeFigureOut">
               <a:rPr lang="nl-NL" smtClean="0"/>
-              <a:t>12-4-2021</a:t>
+              <a:t>29-6-2021</a:t>
             </a:fld>
             <a:endParaRPr lang="nl-NL"/>
           </a:p>
@@ -673,7 +673,7 @@
           <a:p>
             <a:fld id="{F3CBFC1D-2E0E-4908-9F6D-C0C209CD12B3}" type="datetimeFigureOut">
               <a:rPr lang="nl-NL" smtClean="0"/>
-              <a:t>12-4-2021</a:t>
+              <a:t>29-6-2021</a:t>
             </a:fld>
             <a:endParaRPr lang="nl-NL"/>
           </a:p>
@@ -873,7 +873,7 @@
           <a:p>
             <a:fld id="{F3CBFC1D-2E0E-4908-9F6D-C0C209CD12B3}" type="datetimeFigureOut">
               <a:rPr lang="nl-NL" smtClean="0"/>
-              <a:t>12-4-2021</a:t>
+              <a:t>29-6-2021</a:t>
             </a:fld>
             <a:endParaRPr lang="nl-NL"/>
           </a:p>
@@ -1149,7 +1149,7 @@
           <a:p>
             <a:fld id="{F3CBFC1D-2E0E-4908-9F6D-C0C209CD12B3}" type="datetimeFigureOut">
               <a:rPr lang="nl-NL" smtClean="0"/>
-              <a:t>12-4-2021</a:t>
+              <a:t>29-6-2021</a:t>
             </a:fld>
             <a:endParaRPr lang="nl-NL"/>
           </a:p>
@@ -1417,7 +1417,7 @@
           <a:p>
             <a:fld id="{F3CBFC1D-2E0E-4908-9F6D-C0C209CD12B3}" type="datetimeFigureOut">
               <a:rPr lang="nl-NL" smtClean="0"/>
-              <a:t>12-4-2021</a:t>
+              <a:t>29-6-2021</a:t>
             </a:fld>
             <a:endParaRPr lang="nl-NL"/>
           </a:p>
@@ -1832,7 +1832,7 @@
           <a:p>
             <a:fld id="{F3CBFC1D-2E0E-4908-9F6D-C0C209CD12B3}" type="datetimeFigureOut">
               <a:rPr lang="nl-NL" smtClean="0"/>
-              <a:t>12-4-2021</a:t>
+              <a:t>29-6-2021</a:t>
             </a:fld>
             <a:endParaRPr lang="nl-NL"/>
           </a:p>
@@ -1974,7 +1974,7 @@
           <a:p>
             <a:fld id="{F3CBFC1D-2E0E-4908-9F6D-C0C209CD12B3}" type="datetimeFigureOut">
               <a:rPr lang="nl-NL" smtClean="0"/>
-              <a:t>12-4-2021</a:t>
+              <a:t>29-6-2021</a:t>
             </a:fld>
             <a:endParaRPr lang="nl-NL"/>
           </a:p>
@@ -2087,7 +2087,7 @@
           <a:p>
             <a:fld id="{F3CBFC1D-2E0E-4908-9F6D-C0C209CD12B3}" type="datetimeFigureOut">
               <a:rPr lang="nl-NL" smtClean="0"/>
-              <a:t>12-4-2021</a:t>
+              <a:t>29-6-2021</a:t>
             </a:fld>
             <a:endParaRPr lang="nl-NL"/>
           </a:p>
@@ -2400,7 +2400,7 @@
           <a:p>
             <a:fld id="{F3CBFC1D-2E0E-4908-9F6D-C0C209CD12B3}" type="datetimeFigureOut">
               <a:rPr lang="nl-NL" smtClean="0"/>
-              <a:t>12-4-2021</a:t>
+              <a:t>29-6-2021</a:t>
             </a:fld>
             <a:endParaRPr lang="nl-NL"/>
           </a:p>
@@ -2689,7 +2689,7 @@
           <a:p>
             <a:fld id="{F3CBFC1D-2E0E-4908-9F6D-C0C209CD12B3}" type="datetimeFigureOut">
               <a:rPr lang="nl-NL" smtClean="0"/>
-              <a:t>12-4-2021</a:t>
+              <a:t>29-6-2021</a:t>
             </a:fld>
             <a:endParaRPr lang="nl-NL"/>
           </a:p>
@@ -2932,7 +2932,7 @@
           <a:p>
             <a:fld id="{F3CBFC1D-2E0E-4908-9F6D-C0C209CD12B3}" type="datetimeFigureOut">
               <a:rPr lang="nl-NL" smtClean="0"/>
-              <a:t>12-4-2021</a:t>
+              <a:t>29-6-2021</a:t>
             </a:fld>
             <a:endParaRPr lang="nl-NL"/>
           </a:p>
@@ -10121,7 +10121,7 @@
           <a:lstStyle/>
           <a:p>
             <a:pPr algn="ctr"/>
-            <a:endParaRPr lang="nl-NL"/>
+            <a:endParaRPr lang="nl-NL" dirty="0"/>
           </a:p>
         </p:txBody>
       </p:sp>
@@ -10497,6 +10497,42 @@
           </p:txBody>
         </p:sp>
       </p:grpSp>
+      <p:sp>
+        <p:nvSpPr>
+          <p:cNvPr id="2" name="TextBox 1">
+            <a:extLst>
+              <a:ext uri="{FF2B5EF4-FFF2-40B4-BE49-F238E27FC236}">
+                <a16:creationId xmlns:a16="http://schemas.microsoft.com/office/drawing/2014/main" id="{335405D9-740D-42A9-BBC6-AE598829EF23}"/>
+              </a:ext>
+            </a:extLst>
+          </p:cNvPr>
+          <p:cNvSpPr txBox="1"/>
+          <p:nvPr/>
+        </p:nvSpPr>
+        <p:spPr>
+          <a:xfrm>
+            <a:off x="2919328" y="4729499"/>
+            <a:ext cx="1478290" cy="707886"/>
+          </a:xfrm>
+          <a:prstGeom prst="rect">
+            <a:avLst/>
+          </a:prstGeom>
+          <a:noFill/>
+        </p:spPr>
+        <p:txBody>
+          <a:bodyPr wrap="none" rtlCol="0">
+            <a:spAutoFit/>
+          </a:bodyPr>
+          <a:lstStyle/>
+          <a:p>
+            <a:r>
+              <a:rPr lang="en-US" sz="4000" b="1" dirty="0"/>
+              <a:t>LISEM</a:t>
+            </a:r>
+            <a:endParaRPr lang="nl-NL" sz="4000" b="1" dirty="0"/>
+          </a:p>
+        </p:txBody>
+      </p:sp>
     </p:spTree>
     <p:extLst>
       <p:ext uri="{BB962C8B-B14F-4D97-AF65-F5344CB8AC3E}">

--- a/resources/logo.pptx
+++ b/resources/logo.pptx
@@ -263,7 +263,7 @@
           <a:p>
             <a:fld id="{F3CBFC1D-2E0E-4908-9F6D-C0C209CD12B3}" type="datetimeFigureOut">
               <a:rPr lang="nl-NL" smtClean="0"/>
-              <a:t>29-6-2021</a:t>
+              <a:t>28-7-2021</a:t>
             </a:fld>
             <a:endParaRPr lang="nl-NL"/>
           </a:p>
@@ -463,7 +463,7 @@
           <a:p>
             <a:fld id="{F3CBFC1D-2E0E-4908-9F6D-C0C209CD12B3}" type="datetimeFigureOut">
               <a:rPr lang="nl-NL" smtClean="0"/>
-              <a:t>29-6-2021</a:t>
+              <a:t>28-7-2021</a:t>
             </a:fld>
             <a:endParaRPr lang="nl-NL"/>
           </a:p>
@@ -673,7 +673,7 @@
           <a:p>
             <a:fld id="{F3CBFC1D-2E0E-4908-9F6D-C0C209CD12B3}" type="datetimeFigureOut">
               <a:rPr lang="nl-NL" smtClean="0"/>
-              <a:t>29-6-2021</a:t>
+              <a:t>28-7-2021</a:t>
             </a:fld>
             <a:endParaRPr lang="nl-NL"/>
           </a:p>
@@ -873,7 +873,7 @@
           <a:p>
             <a:fld id="{F3CBFC1D-2E0E-4908-9F6D-C0C209CD12B3}" type="datetimeFigureOut">
               <a:rPr lang="nl-NL" smtClean="0"/>
-              <a:t>29-6-2021</a:t>
+              <a:t>28-7-2021</a:t>
             </a:fld>
             <a:endParaRPr lang="nl-NL"/>
           </a:p>
@@ -1149,7 +1149,7 @@
           <a:p>
             <a:fld id="{F3CBFC1D-2E0E-4908-9F6D-C0C209CD12B3}" type="datetimeFigureOut">
               <a:rPr lang="nl-NL" smtClean="0"/>
-              <a:t>29-6-2021</a:t>
+              <a:t>28-7-2021</a:t>
             </a:fld>
             <a:endParaRPr lang="nl-NL"/>
           </a:p>
@@ -1417,7 +1417,7 @@
           <a:p>
             <a:fld id="{F3CBFC1D-2E0E-4908-9F6D-C0C209CD12B3}" type="datetimeFigureOut">
               <a:rPr lang="nl-NL" smtClean="0"/>
-              <a:t>29-6-2021</a:t>
+              <a:t>28-7-2021</a:t>
             </a:fld>
             <a:endParaRPr lang="nl-NL"/>
           </a:p>
@@ -1832,7 +1832,7 @@
           <a:p>
             <a:fld id="{F3CBFC1D-2E0E-4908-9F6D-C0C209CD12B3}" type="datetimeFigureOut">
               <a:rPr lang="nl-NL" smtClean="0"/>
-              <a:t>29-6-2021</a:t>
+              <a:t>28-7-2021</a:t>
             </a:fld>
             <a:endParaRPr lang="nl-NL"/>
           </a:p>
@@ -1974,7 +1974,7 @@
           <a:p>
             <a:fld id="{F3CBFC1D-2E0E-4908-9F6D-C0C209CD12B3}" type="datetimeFigureOut">
               <a:rPr lang="nl-NL" smtClean="0"/>
-              <a:t>29-6-2021</a:t>
+              <a:t>28-7-2021</a:t>
             </a:fld>
             <a:endParaRPr lang="nl-NL"/>
           </a:p>
@@ -2087,7 +2087,7 @@
           <a:p>
             <a:fld id="{F3CBFC1D-2E0E-4908-9F6D-C0C209CD12B3}" type="datetimeFigureOut">
               <a:rPr lang="nl-NL" smtClean="0"/>
-              <a:t>29-6-2021</a:t>
+              <a:t>28-7-2021</a:t>
             </a:fld>
             <a:endParaRPr lang="nl-NL"/>
           </a:p>
@@ -2400,7 +2400,7 @@
           <a:p>
             <a:fld id="{F3CBFC1D-2E0E-4908-9F6D-C0C209CD12B3}" type="datetimeFigureOut">
               <a:rPr lang="nl-NL" smtClean="0"/>
-              <a:t>29-6-2021</a:t>
+              <a:t>28-7-2021</a:t>
             </a:fld>
             <a:endParaRPr lang="nl-NL"/>
           </a:p>
@@ -2689,7 +2689,7 @@
           <a:p>
             <a:fld id="{F3CBFC1D-2E0E-4908-9F6D-C0C209CD12B3}" type="datetimeFigureOut">
               <a:rPr lang="nl-NL" smtClean="0"/>
-              <a:t>29-6-2021</a:t>
+              <a:t>28-7-2021</a:t>
             </a:fld>
             <a:endParaRPr lang="nl-NL"/>
           </a:p>
@@ -2932,7 +2932,7 @@
           <a:p>
             <a:fld id="{F3CBFC1D-2E0E-4908-9F6D-C0C209CD12B3}" type="datetimeFigureOut">
               <a:rPr lang="nl-NL" smtClean="0"/>
-              <a:t>29-6-2021</a:t>
+              <a:t>28-7-2021</a:t>
             </a:fld>
             <a:endParaRPr lang="nl-NL"/>
           </a:p>
@@ -24594,6 +24594,126 @@
           </p:pic>
         </mc:Fallback>
       </mc:AlternateContent>
+      <p:pic>
+        <p:nvPicPr>
+          <p:cNvPr id="152" name="Picture 151" descr="A close up of a screen&#10;&#10;Description automatically generated">
+            <a:extLst>
+              <a:ext uri="{FF2B5EF4-FFF2-40B4-BE49-F238E27FC236}">
+                <a16:creationId xmlns:a16="http://schemas.microsoft.com/office/drawing/2014/main" id="{6D72EB93-3201-47A7-B98E-AAA824B69A5D}"/>
+              </a:ext>
+            </a:extLst>
+          </p:cNvPr>
+          <p:cNvPicPr>
+            <a:picLocks noChangeAspect="1"/>
+          </p:cNvPicPr>
+          <p:nvPr/>
+        </p:nvPicPr>
+        <p:blipFill>
+          <a:blip r:embed="rId2">
+            <a:extLst>
+              <a:ext uri="{28A0092B-C50C-407E-A947-70E740481C1C}">
+                <a14:useLocalDpi xmlns:a14="http://schemas.microsoft.com/office/drawing/2010/main" val="0"/>
+              </a:ext>
+            </a:extLst>
+          </a:blip>
+          <a:stretch>
+            <a:fillRect/>
+          </a:stretch>
+        </p:blipFill>
+        <p:spPr>
+          <a:xfrm>
+            <a:off x="2389292" y="2446055"/>
+            <a:ext cx="635145" cy="635145"/>
+          </a:xfrm>
+          <a:prstGeom prst="rect">
+            <a:avLst/>
+          </a:prstGeom>
+          <a:scene3d>
+            <a:camera prst="isometricOffAxis1Right"/>
+            <a:lightRig rig="threePt" dir="t"/>
+          </a:scene3d>
+        </p:spPr>
+      </p:pic>
+      <p:pic>
+        <p:nvPicPr>
+          <p:cNvPr id="153" name="Picture 152" descr="A close up of a screen&#10;&#10;Description automatically generated">
+            <a:extLst>
+              <a:ext uri="{FF2B5EF4-FFF2-40B4-BE49-F238E27FC236}">
+                <a16:creationId xmlns:a16="http://schemas.microsoft.com/office/drawing/2014/main" id="{651790CF-5937-4EB6-959C-46004EB54D5A}"/>
+              </a:ext>
+            </a:extLst>
+          </p:cNvPr>
+          <p:cNvPicPr>
+            <a:picLocks noChangeAspect="1"/>
+          </p:cNvPicPr>
+          <p:nvPr/>
+        </p:nvPicPr>
+        <p:blipFill>
+          <a:blip r:embed="rId2">
+            <a:extLst>
+              <a:ext uri="{28A0092B-C50C-407E-A947-70E740481C1C}">
+                <a14:useLocalDpi xmlns:a14="http://schemas.microsoft.com/office/drawing/2010/main" val="0"/>
+              </a:ext>
+            </a:extLst>
+          </a:blip>
+          <a:stretch>
+            <a:fillRect/>
+          </a:stretch>
+        </p:blipFill>
+        <p:spPr>
+          <a:xfrm>
+            <a:off x="2210256" y="2035134"/>
+            <a:ext cx="675279" cy="675279"/>
+          </a:xfrm>
+          <a:prstGeom prst="rect">
+            <a:avLst/>
+          </a:prstGeom>
+          <a:scene3d>
+            <a:camera prst="isometricOffAxis1Top"/>
+            <a:lightRig rig="threePt" dir="t"/>
+          </a:scene3d>
+        </p:spPr>
+      </p:pic>
+      <p:pic>
+        <p:nvPicPr>
+          <p:cNvPr id="154" name="Picture 153" descr="A close up of a screen&#10;&#10;Description automatically generated">
+            <a:extLst>
+              <a:ext uri="{FF2B5EF4-FFF2-40B4-BE49-F238E27FC236}">
+                <a16:creationId xmlns:a16="http://schemas.microsoft.com/office/drawing/2014/main" id="{5A224456-548A-49E7-B250-5DDC356EBDBF}"/>
+              </a:ext>
+            </a:extLst>
+          </p:cNvPr>
+          <p:cNvPicPr>
+            <a:picLocks noChangeAspect="1"/>
+          </p:cNvPicPr>
+          <p:nvPr/>
+        </p:nvPicPr>
+        <p:blipFill>
+          <a:blip r:embed="rId2">
+            <a:extLst>
+              <a:ext uri="{28A0092B-C50C-407E-A947-70E740481C1C}">
+                <a14:useLocalDpi xmlns:a14="http://schemas.microsoft.com/office/drawing/2010/main" val="0"/>
+              </a:ext>
+            </a:extLst>
+          </a:blip>
+          <a:stretch>
+            <a:fillRect/>
+          </a:stretch>
+        </p:blipFill>
+        <p:spPr>
+          <a:xfrm>
+            <a:off x="2039054" y="2350069"/>
+            <a:ext cx="446424" cy="737466"/>
+          </a:xfrm>
+          <a:prstGeom prst="rect">
+            <a:avLst/>
+          </a:prstGeom>
+          <a:scene3d>
+            <a:camera prst="isometricLeftDown"/>
+            <a:lightRig rig="threePt" dir="t"/>
+          </a:scene3d>
+        </p:spPr>
+      </p:pic>
       <p:sp>
         <p:nvSpPr>
           <p:cNvPr id="151" name="TextBox 150">
@@ -24608,7 +24728,7 @@
         </p:nvSpPr>
         <p:spPr>
           <a:xfrm>
-            <a:off x="5268088" y="2270089"/>
+            <a:off x="2479557" y="2187031"/>
             <a:ext cx="959158" cy="1446550"/>
           </a:xfrm>
           <a:prstGeom prst="rect">

--- a/resources/logo.pptx
+++ b/resources/logo.pptx
@@ -263,7 +263,7 @@
           <a:p>
             <a:fld id="{F3CBFC1D-2E0E-4908-9F6D-C0C209CD12B3}" type="datetimeFigureOut">
               <a:rPr lang="nl-NL" smtClean="0"/>
-              <a:t>28-7-2021</a:t>
+              <a:t>29-5-2022</a:t>
             </a:fld>
             <a:endParaRPr lang="nl-NL"/>
           </a:p>
@@ -463,7 +463,7 @@
           <a:p>
             <a:fld id="{F3CBFC1D-2E0E-4908-9F6D-C0C209CD12B3}" type="datetimeFigureOut">
               <a:rPr lang="nl-NL" smtClean="0"/>
-              <a:t>28-7-2021</a:t>
+              <a:t>29-5-2022</a:t>
             </a:fld>
             <a:endParaRPr lang="nl-NL"/>
           </a:p>
@@ -673,7 +673,7 @@
           <a:p>
             <a:fld id="{F3CBFC1D-2E0E-4908-9F6D-C0C209CD12B3}" type="datetimeFigureOut">
               <a:rPr lang="nl-NL" smtClean="0"/>
-              <a:t>28-7-2021</a:t>
+              <a:t>29-5-2022</a:t>
             </a:fld>
             <a:endParaRPr lang="nl-NL"/>
           </a:p>
@@ -873,7 +873,7 @@
           <a:p>
             <a:fld id="{F3CBFC1D-2E0E-4908-9F6D-C0C209CD12B3}" type="datetimeFigureOut">
               <a:rPr lang="nl-NL" smtClean="0"/>
-              <a:t>28-7-2021</a:t>
+              <a:t>29-5-2022</a:t>
             </a:fld>
             <a:endParaRPr lang="nl-NL"/>
           </a:p>
@@ -1149,7 +1149,7 @@
           <a:p>
             <a:fld id="{F3CBFC1D-2E0E-4908-9F6D-C0C209CD12B3}" type="datetimeFigureOut">
               <a:rPr lang="nl-NL" smtClean="0"/>
-              <a:t>28-7-2021</a:t>
+              <a:t>29-5-2022</a:t>
             </a:fld>
             <a:endParaRPr lang="nl-NL"/>
           </a:p>
@@ -1417,7 +1417,7 @@
           <a:p>
             <a:fld id="{F3CBFC1D-2E0E-4908-9F6D-C0C209CD12B3}" type="datetimeFigureOut">
               <a:rPr lang="nl-NL" smtClean="0"/>
-              <a:t>28-7-2021</a:t>
+              <a:t>29-5-2022</a:t>
             </a:fld>
             <a:endParaRPr lang="nl-NL"/>
           </a:p>
@@ -1832,7 +1832,7 @@
           <a:p>
             <a:fld id="{F3CBFC1D-2E0E-4908-9F6D-C0C209CD12B3}" type="datetimeFigureOut">
               <a:rPr lang="nl-NL" smtClean="0"/>
-              <a:t>28-7-2021</a:t>
+              <a:t>29-5-2022</a:t>
             </a:fld>
             <a:endParaRPr lang="nl-NL"/>
           </a:p>
@@ -1974,7 +1974,7 @@
           <a:p>
             <a:fld id="{F3CBFC1D-2E0E-4908-9F6D-C0C209CD12B3}" type="datetimeFigureOut">
               <a:rPr lang="nl-NL" smtClean="0"/>
-              <a:t>28-7-2021</a:t>
+              <a:t>29-5-2022</a:t>
             </a:fld>
             <a:endParaRPr lang="nl-NL"/>
           </a:p>
@@ -2087,7 +2087,7 @@
           <a:p>
             <a:fld id="{F3CBFC1D-2E0E-4908-9F6D-C0C209CD12B3}" type="datetimeFigureOut">
               <a:rPr lang="nl-NL" smtClean="0"/>
-              <a:t>28-7-2021</a:t>
+              <a:t>29-5-2022</a:t>
             </a:fld>
             <a:endParaRPr lang="nl-NL"/>
           </a:p>
@@ -2400,7 +2400,7 @@
           <a:p>
             <a:fld id="{F3CBFC1D-2E0E-4908-9F6D-C0C209CD12B3}" type="datetimeFigureOut">
               <a:rPr lang="nl-NL" smtClean="0"/>
-              <a:t>28-7-2021</a:t>
+              <a:t>29-5-2022</a:t>
             </a:fld>
             <a:endParaRPr lang="nl-NL"/>
           </a:p>
@@ -2689,7 +2689,7 @@
           <a:p>
             <a:fld id="{F3CBFC1D-2E0E-4908-9F6D-C0C209CD12B3}" type="datetimeFigureOut">
               <a:rPr lang="nl-NL" smtClean="0"/>
-              <a:t>28-7-2021</a:t>
+              <a:t>29-5-2022</a:t>
             </a:fld>
             <a:endParaRPr lang="nl-NL"/>
           </a:p>
@@ -2932,7 +2932,7 @@
           <a:p>
             <a:fld id="{F3CBFC1D-2E0E-4908-9F6D-C0C209CD12B3}" type="datetimeFigureOut">
               <a:rPr lang="nl-NL" smtClean="0"/>
-              <a:t>28-7-2021</a:t>
+              <a:t>29-5-2022</a:t>
             </a:fld>
             <a:endParaRPr lang="nl-NL"/>
           </a:p>
@@ -24764,6 +24764,87 @@
           </a:p>
         </p:txBody>
       </p:sp>
+      <p:pic>
+        <p:nvPicPr>
+          <p:cNvPr id="10" name="Picture 9">
+            <a:extLst>
+              <a:ext uri="{FF2B5EF4-FFF2-40B4-BE49-F238E27FC236}">
+                <a16:creationId xmlns:a16="http://schemas.microsoft.com/office/drawing/2014/main" id="{15A9C2A6-B5E6-4D3B-949F-2DCE71BC47DC}"/>
+              </a:ext>
+            </a:extLst>
+          </p:cNvPr>
+          <p:cNvPicPr>
+            <a:picLocks noChangeAspect="1"/>
+          </p:cNvPicPr>
+          <p:nvPr/>
+        </p:nvPicPr>
+        <p:blipFill>
+          <a:blip r:embed="rId8">
+            <a:extLst>
+              <a:ext uri="{28A0092B-C50C-407E-A947-70E740481C1C}">
+                <a14:useLocalDpi xmlns:a14="http://schemas.microsoft.com/office/drawing/2010/main" val="0"/>
+              </a:ext>
+            </a:extLst>
+          </a:blip>
+          <a:stretch>
+            <a:fillRect/>
+          </a:stretch>
+        </p:blipFill>
+        <p:spPr>
+          <a:xfrm>
+            <a:off x="6407031" y="1547054"/>
+            <a:ext cx="203318" cy="203318"/>
+          </a:xfrm>
+          <a:prstGeom prst="rect">
+            <a:avLst/>
+          </a:prstGeom>
+        </p:spPr>
+      </p:pic>
+      <p:pic>
+        <p:nvPicPr>
+          <p:cNvPr id="15" name="Picture 14">
+            <a:extLst>
+              <a:ext uri="{FF2B5EF4-FFF2-40B4-BE49-F238E27FC236}">
+                <a16:creationId xmlns:a16="http://schemas.microsoft.com/office/drawing/2014/main" id="{4BB79D21-0CC4-44C6-BDEA-C3EAC823E595}"/>
+              </a:ext>
+            </a:extLst>
+          </p:cNvPr>
+          <p:cNvPicPr>
+            <a:picLocks noChangeAspect="1"/>
+          </p:cNvPicPr>
+          <p:nvPr/>
+        </p:nvPicPr>
+        <p:blipFill>
+          <a:blip r:embed="rId9">
+            <a:extLst>
+              <a:ext uri="{BEBA8EAE-BF5A-486C-A8C5-ECC9F3942E4B}">
+                <a14:imgProps xmlns:a14="http://schemas.microsoft.com/office/drawing/2010/main">
+                  <a14:imgLayer r:embed="rId10">
+                    <a14:imgEffect>
+                      <a14:backgroundRemoval t="10000" b="90000" l="10000" r="90000"/>
+                    </a14:imgEffect>
+                  </a14:imgLayer>
+                </a14:imgProps>
+              </a:ext>
+              <a:ext uri="{28A0092B-C50C-407E-A947-70E740481C1C}">
+                <a14:useLocalDpi xmlns:a14="http://schemas.microsoft.com/office/drawing/2010/main" val="0"/>
+              </a:ext>
+            </a:extLst>
+          </a:blip>
+          <a:stretch>
+            <a:fillRect/>
+          </a:stretch>
+        </p:blipFill>
+        <p:spPr>
+          <a:xfrm>
+            <a:off x="6351730" y="1509540"/>
+            <a:ext cx="182896" cy="182896"/>
+          </a:xfrm>
+          <a:prstGeom prst="rect">
+            <a:avLst/>
+          </a:prstGeom>
+        </p:spPr>
+      </p:pic>
     </p:spTree>
     <p:extLst>
       <p:ext uri="{BB962C8B-B14F-4D97-AF65-F5344CB8AC3E}">

--- a/resources/logo.pptx
+++ b/resources/logo.pptx
@@ -263,7 +263,7 @@
           <a:p>
             <a:fld id="{F3CBFC1D-2E0E-4908-9F6D-C0C209CD12B3}" type="datetimeFigureOut">
               <a:rPr lang="nl-NL" smtClean="0"/>
-              <a:t>29-5-2022</a:t>
+              <a:t>6-11-2022</a:t>
             </a:fld>
             <a:endParaRPr lang="nl-NL"/>
           </a:p>
@@ -463,7 +463,7 @@
           <a:p>
             <a:fld id="{F3CBFC1D-2E0E-4908-9F6D-C0C209CD12B3}" type="datetimeFigureOut">
               <a:rPr lang="nl-NL" smtClean="0"/>
-              <a:t>29-5-2022</a:t>
+              <a:t>6-11-2022</a:t>
             </a:fld>
             <a:endParaRPr lang="nl-NL"/>
           </a:p>
@@ -673,7 +673,7 @@
           <a:p>
             <a:fld id="{F3CBFC1D-2E0E-4908-9F6D-C0C209CD12B3}" type="datetimeFigureOut">
               <a:rPr lang="nl-NL" smtClean="0"/>
-              <a:t>29-5-2022</a:t>
+              <a:t>6-11-2022</a:t>
             </a:fld>
             <a:endParaRPr lang="nl-NL"/>
           </a:p>
@@ -873,7 +873,7 @@
           <a:p>
             <a:fld id="{F3CBFC1D-2E0E-4908-9F6D-C0C209CD12B3}" type="datetimeFigureOut">
               <a:rPr lang="nl-NL" smtClean="0"/>
-              <a:t>29-5-2022</a:t>
+              <a:t>6-11-2022</a:t>
             </a:fld>
             <a:endParaRPr lang="nl-NL"/>
           </a:p>
@@ -1149,7 +1149,7 @@
           <a:p>
             <a:fld id="{F3CBFC1D-2E0E-4908-9F6D-C0C209CD12B3}" type="datetimeFigureOut">
               <a:rPr lang="nl-NL" smtClean="0"/>
-              <a:t>29-5-2022</a:t>
+              <a:t>6-11-2022</a:t>
             </a:fld>
             <a:endParaRPr lang="nl-NL"/>
           </a:p>
@@ -1417,7 +1417,7 @@
           <a:p>
             <a:fld id="{F3CBFC1D-2E0E-4908-9F6D-C0C209CD12B3}" type="datetimeFigureOut">
               <a:rPr lang="nl-NL" smtClean="0"/>
-              <a:t>29-5-2022</a:t>
+              <a:t>6-11-2022</a:t>
             </a:fld>
             <a:endParaRPr lang="nl-NL"/>
           </a:p>
@@ -1832,7 +1832,7 @@
           <a:p>
             <a:fld id="{F3CBFC1D-2E0E-4908-9F6D-C0C209CD12B3}" type="datetimeFigureOut">
               <a:rPr lang="nl-NL" smtClean="0"/>
-              <a:t>29-5-2022</a:t>
+              <a:t>6-11-2022</a:t>
             </a:fld>
             <a:endParaRPr lang="nl-NL"/>
           </a:p>
@@ -1974,7 +1974,7 @@
           <a:p>
             <a:fld id="{F3CBFC1D-2E0E-4908-9F6D-C0C209CD12B3}" type="datetimeFigureOut">
               <a:rPr lang="nl-NL" smtClean="0"/>
-              <a:t>29-5-2022</a:t>
+              <a:t>6-11-2022</a:t>
             </a:fld>
             <a:endParaRPr lang="nl-NL"/>
           </a:p>
@@ -2087,7 +2087,7 @@
           <a:p>
             <a:fld id="{F3CBFC1D-2E0E-4908-9F6D-C0C209CD12B3}" type="datetimeFigureOut">
               <a:rPr lang="nl-NL" smtClean="0"/>
-              <a:t>29-5-2022</a:t>
+              <a:t>6-11-2022</a:t>
             </a:fld>
             <a:endParaRPr lang="nl-NL"/>
           </a:p>
@@ -2400,7 +2400,7 @@
           <a:p>
             <a:fld id="{F3CBFC1D-2E0E-4908-9F6D-C0C209CD12B3}" type="datetimeFigureOut">
               <a:rPr lang="nl-NL" smtClean="0"/>
-              <a:t>29-5-2022</a:t>
+              <a:t>6-11-2022</a:t>
             </a:fld>
             <a:endParaRPr lang="nl-NL"/>
           </a:p>
@@ -2689,7 +2689,7 @@
           <a:p>
             <a:fld id="{F3CBFC1D-2E0E-4908-9F6D-C0C209CD12B3}" type="datetimeFigureOut">
               <a:rPr lang="nl-NL" smtClean="0"/>
-              <a:t>29-5-2022</a:t>
+              <a:t>6-11-2022</a:t>
             </a:fld>
             <a:endParaRPr lang="nl-NL"/>
           </a:p>
@@ -2932,7 +2932,7 @@
           <a:p>
             <a:fld id="{F3CBFC1D-2E0E-4908-9F6D-C0C209CD12B3}" type="datetimeFigureOut">
               <a:rPr lang="nl-NL" smtClean="0"/>
-              <a:t>29-5-2022</a:t>
+              <a:t>6-11-2022</a:t>
             </a:fld>
             <a:endParaRPr lang="nl-NL"/>
           </a:p>
@@ -24845,6 +24845,380 @@
           </a:prstGeom>
         </p:spPr>
       </p:pic>
+      <mc:AlternateContent xmlns:mc="http://schemas.openxmlformats.org/markup-compatibility/2006">
+        <mc:Choice xmlns:am3d="http://schemas.microsoft.com/office/drawing/2017/model3d" Requires="am3d">
+          <p:graphicFrame>
+            <p:nvGraphicFramePr>
+              <p:cNvPr id="29" name="3D Model 28" descr="Light Gray Tetrahedron">
+                <a:extLst>
+                  <a:ext uri="{FF2B5EF4-FFF2-40B4-BE49-F238E27FC236}">
+                    <a16:creationId xmlns:a16="http://schemas.microsoft.com/office/drawing/2014/main" id="{EFA0D756-9F08-5FAF-D65E-ACB5C616DC4F}"/>
+                  </a:ext>
+                </a:extLst>
+              </p:cNvPr>
+              <p:cNvGraphicFramePr>
+                <a:graphicFrameLocks noChangeAspect="1"/>
+              </p:cNvGraphicFramePr>
+              <p:nvPr>
+                <p:extLst>
+                  <p:ext uri="{D42A27DB-BD31-4B8C-83A1-F6EECF244321}">
+                    <p14:modId xmlns:p14="http://schemas.microsoft.com/office/powerpoint/2010/main" val="2858510704"/>
+                  </p:ext>
+                </p:extLst>
+              </p:nvPr>
+            </p:nvGraphicFramePr>
+            <p:xfrm>
+              <a:off x="4659843" y="351141"/>
+              <a:ext cx="1167005" cy="1167004"/>
+            </p:xfrm>
+            <a:graphic>
+              <a:graphicData uri="http://schemas.microsoft.com/office/drawing/2017/model3d">
+                <am3d:model3d r:embed="rId6">
+                  <am3d:spPr>
+                    <a:xfrm>
+                      <a:off x="0" y="0"/>
+                      <a:ext cx="1167005" cy="1167004"/>
+                    </a:xfrm>
+                    <a:prstGeom prst="rect">
+                      <a:avLst/>
+                    </a:prstGeom>
+                    <a:noFill/>
+                    <a:ln>
+                      <a:noFill/>
+                    </a:ln>
+                    <a:effectLst/>
+                  </am3d:spPr>
+                  <am3d:camera>
+                    <am3d:pos x="0" y="0" z="74271989"/>
+                    <am3d:up dx="0" dy="36000000" dz="0"/>
+                    <am3d:lookAt x="0" y="0" z="0"/>
+                    <am3d:perspective fov="2700000"/>
+                  </am3d:camera>
+                  <am3d:trans>
+                    <am3d:meterPerModelUnit n="6166890" d="1000000"/>
+                    <am3d:preTrans dx="531" dy="-15492322" dz="-5131587"/>
+                    <am3d:scale>
+                      <am3d:sx n="1000000" d="1000000"/>
+                      <am3d:sy n="1000000" d="1000000"/>
+                      <am3d:sz n="1000000" d="1000000"/>
+                    </am3d:scale>
+                    <am3d:rot ax="5378734" ay="24613" az="-7850367"/>
+                    <am3d:postTrans dx="0" dy="0" dz="0"/>
+                  </am3d:trans>
+                  <am3d:raster rName="Office3DRenderer" rVer="16.0.8326">
+                    <am3d:blip r:embed="rId11"/>
+                  </am3d:raster>
+                  <am3d:objViewport viewportSz="1698323"/>
+                  <am3d:ambientLight>
+                    <am3d:clr>
+                      <a:scrgbClr r="50000" g="50000" b="50000"/>
+                    </am3d:clr>
+                    <am3d:illuminance n="500000" d="1000000"/>
+                  </am3d:ambientLight>
+                  <am3d:ptLight rad="0">
+                    <am3d:clr>
+                      <a:scrgbClr r="100000" g="75000" b="50000"/>
+                    </am3d:clr>
+                    <am3d:intensity n="9765625" d="1000000"/>
+                    <am3d:pos x="21959998" y="70920001" z="16344003"/>
+                  </am3d:ptLight>
+                  <am3d:ptLight rad="0">
+                    <am3d:clr>
+                      <a:scrgbClr r="40000" g="60000" b="95000"/>
+                    </am3d:clr>
+                    <am3d:intensity n="12250000" d="1000000"/>
+                    <am3d:pos x="-37964106" y="51130435" z="57631972"/>
+                  </am3d:ptLight>
+                  <am3d:ptLight rad="0">
+                    <am3d:clr>
+                      <a:scrgbClr r="86837" g="72700" b="100000"/>
+                    </am3d:clr>
+                    <am3d:intensity n="3125000" d="1000000"/>
+                    <am3d:pos x="-37739122" y="58056624" z="-34769649"/>
+                  </am3d:ptLight>
+                </am3d:model3d>
+              </a:graphicData>
+            </a:graphic>
+          </p:graphicFrame>
+        </mc:Choice>
+        <mc:Fallback>
+          <p:pic>
+            <p:nvPicPr>
+              <p:cNvPr id="29" name="3D Model 28" descr="Light Gray Tetrahedron">
+                <a:extLst>
+                  <a:ext uri="{FF2B5EF4-FFF2-40B4-BE49-F238E27FC236}">
+                    <a16:creationId xmlns:a16="http://schemas.microsoft.com/office/drawing/2014/main" id="{EFA0D756-9F08-5FAF-D65E-ACB5C616DC4F}"/>
+                  </a:ext>
+                </a:extLst>
+              </p:cNvPr>
+              <p:cNvPicPr>
+                <a:picLocks noGrp="1" noRot="1" noChangeAspect="1" noMove="1" noResize="1" noEditPoints="1" noAdjustHandles="1" noChangeArrowheads="1" noChangeShapeType="1" noCrop="1"/>
+              </p:cNvPicPr>
+              <p:nvPr/>
+            </p:nvPicPr>
+            <p:blipFill>
+              <a:blip r:embed="rId11"/>
+              <a:stretch>
+                <a:fillRect/>
+              </a:stretch>
+            </p:blipFill>
+            <p:spPr>
+              <a:xfrm>
+                <a:off x="4659843" y="351141"/>
+                <a:ext cx="1167005" cy="1167004"/>
+              </a:xfrm>
+              <a:prstGeom prst="rect">
+                <a:avLst/>
+              </a:prstGeom>
+              <a:noFill/>
+              <a:ln>
+                <a:noFill/>
+              </a:ln>
+              <a:effectLst/>
+            </p:spPr>
+          </p:pic>
+        </mc:Fallback>
+      </mc:AlternateContent>
+      <p:cxnSp>
+        <p:nvCxnSpPr>
+          <p:cNvPr id="1025" name="Straight Connector 1024">
+            <a:extLst>
+              <a:ext uri="{FF2B5EF4-FFF2-40B4-BE49-F238E27FC236}">
+                <a16:creationId xmlns:a16="http://schemas.microsoft.com/office/drawing/2014/main" id="{7DB35703-608E-0B39-50B8-98D48AADF921}"/>
+              </a:ext>
+            </a:extLst>
+          </p:cNvPr>
+          <p:cNvCxnSpPr>
+            <a:cxnSpLocks/>
+          </p:cNvCxnSpPr>
+          <p:nvPr/>
+        </p:nvCxnSpPr>
+        <p:spPr>
+          <a:xfrm>
+            <a:off x="4742611" y="407276"/>
+            <a:ext cx="392906" cy="191623"/>
+          </a:xfrm>
+          <a:prstGeom prst="line">
+            <a:avLst/>
+          </a:prstGeom>
+          <a:ln w="28575">
+            <a:solidFill>
+              <a:schemeClr val="bg1">
+                <a:lumMod val="50000"/>
+              </a:schemeClr>
+            </a:solidFill>
+          </a:ln>
+        </p:spPr>
+        <p:style>
+          <a:lnRef idx="1">
+            <a:schemeClr val="accent1"/>
+          </a:lnRef>
+          <a:fillRef idx="0">
+            <a:schemeClr val="accent1"/>
+          </a:fillRef>
+          <a:effectRef idx="0">
+            <a:schemeClr val="accent1"/>
+          </a:effectRef>
+          <a:fontRef idx="minor">
+            <a:schemeClr val="tx1"/>
+          </a:fontRef>
+        </p:style>
+      </p:cxnSp>
+      <p:cxnSp>
+        <p:nvCxnSpPr>
+          <p:cNvPr id="1028" name="Straight Connector 1027">
+            <a:extLst>
+              <a:ext uri="{FF2B5EF4-FFF2-40B4-BE49-F238E27FC236}">
+                <a16:creationId xmlns:a16="http://schemas.microsoft.com/office/drawing/2014/main" id="{A92E5998-1EB2-BE0B-2888-A6D41CCC5EB8}"/>
+              </a:ext>
+            </a:extLst>
+          </p:cNvPr>
+          <p:cNvCxnSpPr>
+            <a:cxnSpLocks/>
+          </p:cNvCxnSpPr>
+          <p:nvPr/>
+        </p:nvCxnSpPr>
+        <p:spPr>
+          <a:xfrm>
+            <a:off x="4742611" y="598900"/>
+            <a:ext cx="179433" cy="87173"/>
+          </a:xfrm>
+          <a:prstGeom prst="line">
+            <a:avLst/>
+          </a:prstGeom>
+          <a:ln w="28575">
+            <a:solidFill>
+              <a:schemeClr val="bg1">
+                <a:lumMod val="50000"/>
+              </a:schemeClr>
+            </a:solidFill>
+          </a:ln>
+        </p:spPr>
+        <p:style>
+          <a:lnRef idx="1">
+            <a:schemeClr val="accent1"/>
+          </a:lnRef>
+          <a:fillRef idx="0">
+            <a:schemeClr val="accent1"/>
+          </a:fillRef>
+          <a:effectRef idx="0">
+            <a:schemeClr val="accent1"/>
+          </a:effectRef>
+          <a:fontRef idx="minor">
+            <a:schemeClr val="tx1"/>
+          </a:fontRef>
+        </p:style>
+      </p:cxnSp>
+      <p:cxnSp>
+        <p:nvCxnSpPr>
+          <p:cNvPr id="1032" name="Straight Connector 1031">
+            <a:extLst>
+              <a:ext uri="{FF2B5EF4-FFF2-40B4-BE49-F238E27FC236}">
+                <a16:creationId xmlns:a16="http://schemas.microsoft.com/office/drawing/2014/main" id="{F7F700E7-F9DA-E604-BA50-DF5EE27C6836}"/>
+              </a:ext>
+            </a:extLst>
+          </p:cNvPr>
+          <p:cNvCxnSpPr>
+            <a:cxnSpLocks/>
+          </p:cNvCxnSpPr>
+          <p:nvPr/>
+        </p:nvCxnSpPr>
+        <p:spPr>
+          <a:xfrm>
+            <a:off x="4742611" y="785761"/>
+            <a:ext cx="221902" cy="109562"/>
+          </a:xfrm>
+          <a:prstGeom prst="line">
+            <a:avLst/>
+          </a:prstGeom>
+          <a:ln w="28575">
+            <a:solidFill>
+              <a:schemeClr val="bg1">
+                <a:lumMod val="50000"/>
+              </a:schemeClr>
+            </a:solidFill>
+          </a:ln>
+        </p:spPr>
+        <p:style>
+          <a:lnRef idx="1">
+            <a:schemeClr val="accent1"/>
+          </a:lnRef>
+          <a:fillRef idx="0">
+            <a:schemeClr val="accent1"/>
+          </a:fillRef>
+          <a:effectRef idx="0">
+            <a:schemeClr val="accent1"/>
+          </a:effectRef>
+          <a:fontRef idx="minor">
+            <a:schemeClr val="tx1"/>
+          </a:fontRef>
+        </p:style>
+      </p:cxnSp>
+      <p:cxnSp>
+        <p:nvCxnSpPr>
+          <p:cNvPr id="1033" name="Straight Connector 1032">
+            <a:extLst>
+              <a:ext uri="{FF2B5EF4-FFF2-40B4-BE49-F238E27FC236}">
+                <a16:creationId xmlns:a16="http://schemas.microsoft.com/office/drawing/2014/main" id="{5DD81B61-ADEB-8BAC-8027-E720B87DD6CE}"/>
+              </a:ext>
+            </a:extLst>
+          </p:cNvPr>
+          <p:cNvCxnSpPr>
+            <a:cxnSpLocks/>
+          </p:cNvCxnSpPr>
+          <p:nvPr/>
+        </p:nvCxnSpPr>
+        <p:spPr>
+          <a:xfrm>
+            <a:off x="4742611" y="982147"/>
+            <a:ext cx="319927" cy="172187"/>
+          </a:xfrm>
+          <a:prstGeom prst="line">
+            <a:avLst/>
+          </a:prstGeom>
+          <a:ln w="28575">
+            <a:solidFill>
+              <a:schemeClr val="bg1">
+                <a:lumMod val="50000"/>
+              </a:schemeClr>
+            </a:solidFill>
+          </a:ln>
+        </p:spPr>
+        <p:style>
+          <a:lnRef idx="1">
+            <a:schemeClr val="accent1"/>
+          </a:lnRef>
+          <a:fillRef idx="0">
+            <a:schemeClr val="accent1"/>
+          </a:fillRef>
+          <a:effectRef idx="0">
+            <a:schemeClr val="accent1"/>
+          </a:effectRef>
+          <a:fontRef idx="minor">
+            <a:schemeClr val="tx1"/>
+          </a:fontRef>
+        </p:style>
+      </p:cxnSp>
+      <p:pic>
+        <p:nvPicPr>
+          <p:cNvPr id="1044" name="Picture 1043">
+            <a:extLst>
+              <a:ext uri="{FF2B5EF4-FFF2-40B4-BE49-F238E27FC236}">
+                <a16:creationId xmlns:a16="http://schemas.microsoft.com/office/drawing/2014/main" id="{9E735FFD-F7CC-C869-057B-F92685494A7C}"/>
+              </a:ext>
+            </a:extLst>
+          </p:cNvPr>
+          <p:cNvPicPr>
+            <a:picLocks noChangeAspect="1"/>
+          </p:cNvPicPr>
+          <p:nvPr/>
+        </p:nvPicPr>
+        <p:blipFill>
+          <a:blip r:embed="rId12"/>
+          <a:stretch>
+            <a:fillRect/>
+          </a:stretch>
+        </p:blipFill>
+        <p:spPr>
+          <a:xfrm>
+            <a:off x="7091234" y="546940"/>
+            <a:ext cx="2000250" cy="1771650"/>
+          </a:xfrm>
+          <a:prstGeom prst="rect">
+            <a:avLst/>
+          </a:prstGeom>
+        </p:spPr>
+      </p:pic>
+      <p:pic>
+        <p:nvPicPr>
+          <p:cNvPr id="1046" name="Picture 1045">
+            <a:extLst>
+              <a:ext uri="{FF2B5EF4-FFF2-40B4-BE49-F238E27FC236}">
+                <a16:creationId xmlns:a16="http://schemas.microsoft.com/office/drawing/2014/main" id="{D819A29A-8CA5-7CFA-D25B-0345700DB3E2}"/>
+              </a:ext>
+            </a:extLst>
+          </p:cNvPr>
+          <p:cNvPicPr>
+            <a:picLocks noChangeAspect="1"/>
+          </p:cNvPicPr>
+          <p:nvPr/>
+        </p:nvPicPr>
+        <p:blipFill>
+          <a:blip r:embed="rId13"/>
+          <a:stretch>
+            <a:fillRect/>
+          </a:stretch>
+        </p:blipFill>
+        <p:spPr>
+          <a:xfrm>
+            <a:off x="9751084" y="1436299"/>
+            <a:ext cx="638175" cy="619125"/>
+          </a:xfrm>
+          <a:prstGeom prst="rect">
+            <a:avLst/>
+          </a:prstGeom>
+        </p:spPr>
+      </p:pic>
     </p:spTree>
     <p:extLst>
       <p:ext uri="{BB962C8B-B14F-4D97-AF65-F5344CB8AC3E}">
